--- a/image/icon_design.pptx
+++ b/image/icon_design.pptx
@@ -5,8 +5,10 @@
     <p:sldMasterId id="2147483648" r:id="rId1"/>
   </p:sldMasterIdLst>
   <p:sldIdLst>
-    <p:sldId id="256" r:id="rId2"/>
-    <p:sldId id="257" r:id="rId3"/>
+    <p:sldId id="258" r:id="rId2"/>
+    <p:sldId id="256" r:id="rId3"/>
+    <p:sldId id="257" r:id="rId4"/>
+    <p:sldId id="259" r:id="rId5"/>
   </p:sldIdLst>
   <p:sldSz cx="12192000" cy="6858000"/>
   <p:notesSz cx="6858000" cy="9144000"/>
@@ -3617,6 +3619,477 @@
       </p:grpSpPr>
       <p:sp>
         <p:nvSpPr>
+          <p:cNvPr id="4" name="四角形: 角を丸くする 3">
+            <a:extLst>
+              <a:ext uri="{FF2B5EF4-FFF2-40B4-BE49-F238E27FC236}">
+                <a16:creationId xmlns:a16="http://schemas.microsoft.com/office/drawing/2014/main" id="{9CB2365C-ED5F-49EB-A513-8FC4CF797159}"/>
+              </a:ext>
+            </a:extLst>
+          </p:cNvPr>
+          <p:cNvSpPr/>
+          <p:nvPr/>
+        </p:nvSpPr>
+        <p:spPr>
+          <a:xfrm>
+            <a:off x="360000" y="360000"/>
+            <a:ext cx="1440000" cy="1440000"/>
+          </a:xfrm>
+          <a:prstGeom prst="roundRect">
+            <a:avLst/>
+          </a:prstGeom>
+          <a:solidFill>
+            <a:srgbClr val="00A9E0"/>
+          </a:solidFill>
+        </p:spPr>
+        <p:style>
+          <a:lnRef idx="2">
+            <a:schemeClr val="accent1">
+              <a:shade val="50000"/>
+            </a:schemeClr>
+          </a:lnRef>
+          <a:fillRef idx="1">
+            <a:schemeClr val="accent1"/>
+          </a:fillRef>
+          <a:effectRef idx="0">
+            <a:schemeClr val="accent1"/>
+          </a:effectRef>
+          <a:fontRef idx="minor">
+            <a:schemeClr val="lt1"/>
+          </a:fontRef>
+        </p:style>
+        <p:txBody>
+          <a:bodyPr rtlCol="0" anchor="ctr"/>
+          <a:lstStyle/>
+          <a:p>
+            <a:pPr algn="ctr"/>
+            <a:endParaRPr kumimoji="1" lang="ja-JP" altLang="en-US"/>
+          </a:p>
+        </p:txBody>
+      </p:sp>
+      <p:sp>
+        <p:nvSpPr>
+          <p:cNvPr id="5" name="四角形: 角を丸くする 4">
+            <a:extLst>
+              <a:ext uri="{FF2B5EF4-FFF2-40B4-BE49-F238E27FC236}">
+                <a16:creationId xmlns:a16="http://schemas.microsoft.com/office/drawing/2014/main" id="{29722594-DE2E-4425-9B03-E926DF7DBD9A}"/>
+              </a:ext>
+            </a:extLst>
+          </p:cNvPr>
+          <p:cNvSpPr/>
+          <p:nvPr/>
+        </p:nvSpPr>
+        <p:spPr>
+          <a:xfrm>
+            <a:off x="3960000" y="2160000"/>
+            <a:ext cx="1440000" cy="1440000"/>
+          </a:xfrm>
+          <a:prstGeom prst="roundRect">
+            <a:avLst/>
+          </a:prstGeom>
+          <a:solidFill>
+            <a:srgbClr val="EEDC00"/>
+          </a:solidFill>
+        </p:spPr>
+        <p:style>
+          <a:lnRef idx="2">
+            <a:schemeClr val="accent1">
+              <a:shade val="50000"/>
+            </a:schemeClr>
+          </a:lnRef>
+          <a:fillRef idx="1">
+            <a:schemeClr val="accent1"/>
+          </a:fillRef>
+          <a:effectRef idx="0">
+            <a:schemeClr val="accent1"/>
+          </a:effectRef>
+          <a:fontRef idx="minor">
+            <a:schemeClr val="lt1"/>
+          </a:fontRef>
+        </p:style>
+        <p:txBody>
+          <a:bodyPr rtlCol="0" anchor="ctr"/>
+          <a:lstStyle/>
+          <a:p>
+            <a:pPr algn="ctr"/>
+            <a:endParaRPr kumimoji="1" lang="ja-JP" altLang="en-US"/>
+          </a:p>
+        </p:txBody>
+      </p:sp>
+      <p:sp>
+        <p:nvSpPr>
+          <p:cNvPr id="6" name="四角形: 角を丸くする 5">
+            <a:extLst>
+              <a:ext uri="{FF2B5EF4-FFF2-40B4-BE49-F238E27FC236}">
+                <a16:creationId xmlns:a16="http://schemas.microsoft.com/office/drawing/2014/main" id="{AF2C16E5-D507-43DD-8B05-3CB803B74574}"/>
+              </a:ext>
+            </a:extLst>
+          </p:cNvPr>
+          <p:cNvSpPr/>
+          <p:nvPr/>
+        </p:nvSpPr>
+        <p:spPr>
+          <a:xfrm>
+            <a:off x="2160000" y="360000"/>
+            <a:ext cx="1440000" cy="1440000"/>
+          </a:xfrm>
+          <a:prstGeom prst="roundRect">
+            <a:avLst/>
+          </a:prstGeom>
+          <a:solidFill>
+            <a:srgbClr val="2D2D2D"/>
+          </a:solidFill>
+        </p:spPr>
+        <p:style>
+          <a:lnRef idx="2">
+            <a:schemeClr val="accent1">
+              <a:shade val="50000"/>
+            </a:schemeClr>
+          </a:lnRef>
+          <a:fillRef idx="1">
+            <a:schemeClr val="accent1"/>
+          </a:fillRef>
+          <a:effectRef idx="0">
+            <a:schemeClr val="accent1"/>
+          </a:effectRef>
+          <a:fontRef idx="minor">
+            <a:schemeClr val="lt1"/>
+          </a:fontRef>
+        </p:style>
+        <p:txBody>
+          <a:bodyPr rtlCol="0" anchor="ctr"/>
+          <a:lstStyle/>
+          <a:p>
+            <a:pPr algn="ctr"/>
+            <a:endParaRPr kumimoji="1" lang="ja-JP" altLang="en-US"/>
+          </a:p>
+        </p:txBody>
+      </p:sp>
+      <p:sp>
+        <p:nvSpPr>
+          <p:cNvPr id="7" name="四角形: 角を丸くする 6">
+            <a:extLst>
+              <a:ext uri="{FF2B5EF4-FFF2-40B4-BE49-F238E27FC236}">
+                <a16:creationId xmlns:a16="http://schemas.microsoft.com/office/drawing/2014/main" id="{9A27635F-EA17-4410-B24B-10CFB03EB472}"/>
+              </a:ext>
+            </a:extLst>
+          </p:cNvPr>
+          <p:cNvSpPr/>
+          <p:nvPr/>
+        </p:nvSpPr>
+        <p:spPr>
+          <a:xfrm>
+            <a:off x="3960000" y="360000"/>
+            <a:ext cx="1440000" cy="1440000"/>
+          </a:xfrm>
+          <a:prstGeom prst="roundRect">
+            <a:avLst/>
+          </a:prstGeom>
+          <a:solidFill>
+            <a:srgbClr val="F4F4F4"/>
+          </a:solidFill>
+        </p:spPr>
+        <p:style>
+          <a:lnRef idx="2">
+            <a:schemeClr val="accent1">
+              <a:shade val="50000"/>
+            </a:schemeClr>
+          </a:lnRef>
+          <a:fillRef idx="1">
+            <a:schemeClr val="accent1"/>
+          </a:fillRef>
+          <a:effectRef idx="0">
+            <a:schemeClr val="accent1"/>
+          </a:effectRef>
+          <a:fontRef idx="minor">
+            <a:schemeClr val="lt1"/>
+          </a:fontRef>
+        </p:style>
+        <p:txBody>
+          <a:bodyPr rtlCol="0" anchor="ctr"/>
+          <a:lstStyle/>
+          <a:p>
+            <a:pPr algn="ctr"/>
+            <a:endParaRPr kumimoji="1" lang="ja-JP" altLang="en-US"/>
+          </a:p>
+        </p:txBody>
+      </p:sp>
+      <p:sp>
+        <p:nvSpPr>
+          <p:cNvPr id="8" name="四角形: 角を丸くする 7">
+            <a:extLst>
+              <a:ext uri="{FF2B5EF4-FFF2-40B4-BE49-F238E27FC236}">
+                <a16:creationId xmlns:a16="http://schemas.microsoft.com/office/drawing/2014/main" id="{EA6B354B-3ABB-47A7-8E9D-0FA860BC57E3}"/>
+              </a:ext>
+            </a:extLst>
+          </p:cNvPr>
+          <p:cNvSpPr/>
+          <p:nvPr/>
+        </p:nvSpPr>
+        <p:spPr>
+          <a:xfrm>
+            <a:off x="5760000" y="360000"/>
+            <a:ext cx="1440000" cy="1440000"/>
+          </a:xfrm>
+          <a:prstGeom prst="roundRect">
+            <a:avLst/>
+          </a:prstGeom>
+          <a:solidFill>
+            <a:srgbClr val="DA1884"/>
+          </a:solidFill>
+        </p:spPr>
+        <p:style>
+          <a:lnRef idx="2">
+            <a:schemeClr val="accent1">
+              <a:shade val="50000"/>
+            </a:schemeClr>
+          </a:lnRef>
+          <a:fillRef idx="1">
+            <a:schemeClr val="accent1"/>
+          </a:fillRef>
+          <a:effectRef idx="0">
+            <a:schemeClr val="accent1"/>
+          </a:effectRef>
+          <a:fontRef idx="minor">
+            <a:schemeClr val="lt1"/>
+          </a:fontRef>
+        </p:style>
+        <p:txBody>
+          <a:bodyPr rtlCol="0" anchor="ctr"/>
+          <a:lstStyle/>
+          <a:p>
+            <a:pPr algn="ctr"/>
+            <a:endParaRPr kumimoji="1" lang="ja-JP" altLang="en-US"/>
+          </a:p>
+        </p:txBody>
+      </p:sp>
+      <p:sp>
+        <p:nvSpPr>
+          <p:cNvPr id="9" name="四角形: 角を丸くする 8">
+            <a:extLst>
+              <a:ext uri="{FF2B5EF4-FFF2-40B4-BE49-F238E27FC236}">
+                <a16:creationId xmlns:a16="http://schemas.microsoft.com/office/drawing/2014/main" id="{D6D57375-5EF7-43AA-9313-1D01714D9128}"/>
+              </a:ext>
+            </a:extLst>
+          </p:cNvPr>
+          <p:cNvSpPr/>
+          <p:nvPr/>
+        </p:nvSpPr>
+        <p:spPr>
+          <a:xfrm>
+            <a:off x="7560000" y="360000"/>
+            <a:ext cx="1440000" cy="1440000"/>
+          </a:xfrm>
+          <a:prstGeom prst="roundRect">
+            <a:avLst/>
+          </a:prstGeom>
+          <a:solidFill>
+            <a:srgbClr val="8031A7"/>
+          </a:solidFill>
+        </p:spPr>
+        <p:style>
+          <a:lnRef idx="2">
+            <a:schemeClr val="accent1">
+              <a:shade val="50000"/>
+            </a:schemeClr>
+          </a:lnRef>
+          <a:fillRef idx="1">
+            <a:schemeClr val="accent1"/>
+          </a:fillRef>
+          <a:effectRef idx="0">
+            <a:schemeClr val="accent1"/>
+          </a:effectRef>
+          <a:fontRef idx="minor">
+            <a:schemeClr val="lt1"/>
+          </a:fontRef>
+        </p:style>
+        <p:txBody>
+          <a:bodyPr rtlCol="0" anchor="ctr"/>
+          <a:lstStyle/>
+          <a:p>
+            <a:pPr algn="ctr"/>
+            <a:endParaRPr kumimoji="1" lang="ja-JP" altLang="en-US"/>
+          </a:p>
+        </p:txBody>
+      </p:sp>
+      <p:sp>
+        <p:nvSpPr>
+          <p:cNvPr id="10" name="四角形: 角を丸くする 9">
+            <a:extLst>
+              <a:ext uri="{FF2B5EF4-FFF2-40B4-BE49-F238E27FC236}">
+                <a16:creationId xmlns:a16="http://schemas.microsoft.com/office/drawing/2014/main" id="{0EE74FCC-0974-430E-9E4D-29B2E18C9754}"/>
+              </a:ext>
+            </a:extLst>
+          </p:cNvPr>
+          <p:cNvSpPr/>
+          <p:nvPr/>
+        </p:nvSpPr>
+        <p:spPr>
+          <a:xfrm>
+            <a:off x="360000" y="2160000"/>
+            <a:ext cx="1440000" cy="1440000"/>
+          </a:xfrm>
+          <a:prstGeom prst="roundRect">
+            <a:avLst/>
+          </a:prstGeom>
+          <a:solidFill>
+            <a:srgbClr val="00B2A9"/>
+          </a:solidFill>
+        </p:spPr>
+        <p:style>
+          <a:lnRef idx="2">
+            <a:schemeClr val="accent1">
+              <a:shade val="50000"/>
+            </a:schemeClr>
+          </a:lnRef>
+          <a:fillRef idx="1">
+            <a:schemeClr val="accent1"/>
+          </a:fillRef>
+          <a:effectRef idx="0">
+            <a:schemeClr val="accent1"/>
+          </a:effectRef>
+          <a:fontRef idx="minor">
+            <a:schemeClr val="lt1"/>
+          </a:fontRef>
+        </p:style>
+        <p:txBody>
+          <a:bodyPr rtlCol="0" anchor="ctr"/>
+          <a:lstStyle/>
+          <a:p>
+            <a:pPr algn="ctr"/>
+            <a:endParaRPr kumimoji="1" lang="ja-JP" altLang="en-US"/>
+          </a:p>
+        </p:txBody>
+      </p:sp>
+      <p:sp>
+        <p:nvSpPr>
+          <p:cNvPr id="11" name="四角形: 角を丸くする 10">
+            <a:extLst>
+              <a:ext uri="{FF2B5EF4-FFF2-40B4-BE49-F238E27FC236}">
+                <a16:creationId xmlns:a16="http://schemas.microsoft.com/office/drawing/2014/main" id="{3918FA1C-AAA2-45B7-A70B-28A8444443D7}"/>
+              </a:ext>
+            </a:extLst>
+          </p:cNvPr>
+          <p:cNvSpPr/>
+          <p:nvPr/>
+        </p:nvSpPr>
+        <p:spPr>
+          <a:xfrm>
+            <a:off x="2160000" y="2160000"/>
+            <a:ext cx="1440000" cy="1440000"/>
+          </a:xfrm>
+          <a:prstGeom prst="roundRect">
+            <a:avLst/>
+          </a:prstGeom>
+          <a:solidFill>
+            <a:srgbClr val="78BE20"/>
+          </a:solidFill>
+        </p:spPr>
+        <p:style>
+          <a:lnRef idx="2">
+            <a:schemeClr val="accent1">
+              <a:shade val="50000"/>
+            </a:schemeClr>
+          </a:lnRef>
+          <a:fillRef idx="1">
+            <a:schemeClr val="accent1"/>
+          </a:fillRef>
+          <a:effectRef idx="0">
+            <a:schemeClr val="accent1"/>
+          </a:effectRef>
+          <a:fontRef idx="minor">
+            <a:schemeClr val="lt1"/>
+          </a:fontRef>
+        </p:style>
+        <p:txBody>
+          <a:bodyPr rtlCol="0" anchor="ctr"/>
+          <a:lstStyle/>
+          <a:p>
+            <a:pPr algn="ctr"/>
+            <a:endParaRPr kumimoji="1" lang="ja-JP" altLang="en-US"/>
+          </a:p>
+        </p:txBody>
+      </p:sp>
+      <p:sp>
+        <p:nvSpPr>
+          <p:cNvPr id="12" name="四角形: 角を丸くする 11">
+            <a:extLst>
+              <a:ext uri="{FF2B5EF4-FFF2-40B4-BE49-F238E27FC236}">
+                <a16:creationId xmlns:a16="http://schemas.microsoft.com/office/drawing/2014/main" id="{1539705B-96FC-40E4-B906-DAED6BB344CA}"/>
+              </a:ext>
+            </a:extLst>
+          </p:cNvPr>
+          <p:cNvSpPr/>
+          <p:nvPr/>
+        </p:nvSpPr>
+        <p:spPr>
+          <a:xfrm>
+            <a:off x="5760000" y="2160000"/>
+            <a:ext cx="1440000" cy="1440000"/>
+          </a:xfrm>
+          <a:prstGeom prst="roundRect">
+            <a:avLst/>
+          </a:prstGeom>
+          <a:solidFill>
+            <a:srgbClr val="FF6A13"/>
+          </a:solidFill>
+        </p:spPr>
+        <p:style>
+          <a:lnRef idx="2">
+            <a:schemeClr val="accent1">
+              <a:shade val="50000"/>
+            </a:schemeClr>
+          </a:lnRef>
+          <a:fillRef idx="1">
+            <a:schemeClr val="accent1"/>
+          </a:fillRef>
+          <a:effectRef idx="0">
+            <a:schemeClr val="accent1"/>
+          </a:effectRef>
+          <a:fontRef idx="minor">
+            <a:schemeClr val="lt1"/>
+          </a:fontRef>
+        </p:style>
+        <p:txBody>
+          <a:bodyPr rtlCol="0" anchor="ctr"/>
+          <a:lstStyle/>
+          <a:p>
+            <a:pPr algn="ctr"/>
+            <a:endParaRPr kumimoji="1" lang="ja-JP" altLang="en-US"/>
+          </a:p>
+        </p:txBody>
+      </p:sp>
+    </p:spTree>
+    <p:extLst>
+      <p:ext uri="{BB962C8B-B14F-4D97-AF65-F5344CB8AC3E}">
+        <p14:creationId xmlns:p14="http://schemas.microsoft.com/office/powerpoint/2010/main" val="542912717"/>
+      </p:ext>
+    </p:extLst>
+  </p:cSld>
+  <p:clrMapOvr>
+    <a:masterClrMapping/>
+  </p:clrMapOvr>
+</p:sld>
+</file>
+
+<file path=ppt/slides/slide2.xml><?xml version="1.0" encoding="utf-8"?>
+<p:sld xmlns:a="http://schemas.openxmlformats.org/drawingml/2006/main" xmlns:r="http://schemas.openxmlformats.org/officeDocument/2006/relationships" xmlns:p="http://schemas.openxmlformats.org/presentationml/2006/main">
+  <p:cSld>
+    <p:spTree>
+      <p:nvGrpSpPr>
+        <p:cNvPr id="1" name=""/>
+        <p:cNvGrpSpPr/>
+        <p:nvPr/>
+      </p:nvGrpSpPr>
+      <p:grpSpPr>
+        <a:xfrm>
+          <a:off x="0" y="0"/>
+          <a:ext cx="0" cy="0"/>
+          <a:chOff x="0" y="0"/>
+          <a:chExt cx="0" cy="0"/>
+        </a:xfrm>
+      </p:grpSpPr>
+      <p:sp>
+        <p:nvSpPr>
           <p:cNvPr id="4" name="正方形/長方形 3">
             <a:extLst>
               <a:ext uri="{FF2B5EF4-FFF2-40B4-BE49-F238E27FC236}">
@@ -3686,7 +4159,7 @@
 </p:sld>
 </file>
 
-<file path=ppt/slides/slide2.xml><?xml version="1.0" encoding="utf-8"?>
+<file path=ppt/slides/slide3.xml><?xml version="1.0" encoding="utf-8"?>
 <p:sld xmlns:a="http://schemas.openxmlformats.org/drawingml/2006/main" xmlns:r="http://schemas.openxmlformats.org/officeDocument/2006/relationships" xmlns:p="http://schemas.openxmlformats.org/presentationml/2006/main">
   <p:cSld>
     <p:spTree>
@@ -3852,6 +4325,36 @@
     <p:extLst>
       <p:ext uri="{BB962C8B-B14F-4D97-AF65-F5344CB8AC3E}">
         <p14:creationId xmlns:p14="http://schemas.microsoft.com/office/powerpoint/2010/main" val="1533788364"/>
+      </p:ext>
+    </p:extLst>
+  </p:cSld>
+  <p:clrMapOvr>
+    <a:masterClrMapping/>
+  </p:clrMapOvr>
+</p:sld>
+</file>
+
+<file path=ppt/slides/slide4.xml><?xml version="1.0" encoding="utf-8"?>
+<p:sld xmlns:a="http://schemas.openxmlformats.org/drawingml/2006/main" xmlns:r="http://schemas.openxmlformats.org/officeDocument/2006/relationships" xmlns:p="http://schemas.openxmlformats.org/presentationml/2006/main">
+  <p:cSld>
+    <p:spTree>
+      <p:nvGrpSpPr>
+        <p:cNvPr id="1" name=""/>
+        <p:cNvGrpSpPr/>
+        <p:nvPr/>
+      </p:nvGrpSpPr>
+      <p:grpSpPr>
+        <a:xfrm>
+          <a:off x="0" y="0"/>
+          <a:ext cx="0" cy="0"/>
+          <a:chOff x="0" y="0"/>
+          <a:chExt cx="0" cy="0"/>
+        </a:xfrm>
+      </p:grpSpPr>
+    </p:spTree>
+    <p:extLst>
+      <p:ext uri="{BB962C8B-B14F-4D97-AF65-F5344CB8AC3E}">
+        <p14:creationId xmlns:p14="http://schemas.microsoft.com/office/powerpoint/2010/main" val="1753289373"/>
       </p:ext>
     </p:extLst>
   </p:cSld>

--- a/image/icon_design.pptx
+++ b/image/icon_design.pptx
@@ -9,6 +9,7 @@
     <p:sldId id="256" r:id="rId3"/>
     <p:sldId id="257" r:id="rId4"/>
     <p:sldId id="259" r:id="rId5"/>
+    <p:sldId id="260" r:id="rId6"/>
   </p:sldIdLst>
   <p:sldSz cx="12192000" cy="6858000"/>
   <p:notesSz cx="6858000" cy="9144000"/>
@@ -262,7 +263,7 @@
           <a:p>
             <a:fld id="{60B221BB-C265-43A6-A7DD-676E6726CC2A}" type="datetimeFigureOut">
               <a:rPr kumimoji="1" lang="ja-JP" altLang="en-US" smtClean="0"/>
-              <a:t>2022/11/9</a:t>
+              <a:t>2022/11/10</a:t>
             </a:fld>
             <a:endParaRPr kumimoji="1" lang="ja-JP" altLang="en-US"/>
           </a:p>
@@ -492,7 +493,7 @@
           <a:p>
             <a:fld id="{60B221BB-C265-43A6-A7DD-676E6726CC2A}" type="datetimeFigureOut">
               <a:rPr kumimoji="1" lang="ja-JP" altLang="en-US" smtClean="0"/>
-              <a:t>2022/11/9</a:t>
+              <a:t>2022/11/10</a:t>
             </a:fld>
             <a:endParaRPr kumimoji="1" lang="ja-JP" altLang="en-US"/>
           </a:p>
@@ -732,7 +733,7 @@
           <a:p>
             <a:fld id="{60B221BB-C265-43A6-A7DD-676E6726CC2A}" type="datetimeFigureOut">
               <a:rPr kumimoji="1" lang="ja-JP" altLang="en-US" smtClean="0"/>
-              <a:t>2022/11/9</a:t>
+              <a:t>2022/11/10</a:t>
             </a:fld>
             <a:endParaRPr kumimoji="1" lang="ja-JP" altLang="en-US"/>
           </a:p>
@@ -962,7 +963,7 @@
           <a:p>
             <a:fld id="{60B221BB-C265-43A6-A7DD-676E6726CC2A}" type="datetimeFigureOut">
               <a:rPr kumimoji="1" lang="ja-JP" altLang="en-US" smtClean="0"/>
-              <a:t>2022/11/9</a:t>
+              <a:t>2022/11/10</a:t>
             </a:fld>
             <a:endParaRPr kumimoji="1" lang="ja-JP" altLang="en-US"/>
           </a:p>
@@ -1237,7 +1238,7 @@
           <a:p>
             <a:fld id="{60B221BB-C265-43A6-A7DD-676E6726CC2A}" type="datetimeFigureOut">
               <a:rPr kumimoji="1" lang="ja-JP" altLang="en-US" smtClean="0"/>
-              <a:t>2022/11/9</a:t>
+              <a:t>2022/11/10</a:t>
             </a:fld>
             <a:endParaRPr kumimoji="1" lang="ja-JP" altLang="en-US"/>
           </a:p>
@@ -1566,7 +1567,7 @@
           <a:p>
             <a:fld id="{60B221BB-C265-43A6-A7DD-676E6726CC2A}" type="datetimeFigureOut">
               <a:rPr kumimoji="1" lang="ja-JP" altLang="en-US" smtClean="0"/>
-              <a:t>2022/11/9</a:t>
+              <a:t>2022/11/10</a:t>
             </a:fld>
             <a:endParaRPr kumimoji="1" lang="ja-JP" altLang="en-US"/>
           </a:p>
@@ -2042,7 +2043,7 @@
           <a:p>
             <a:fld id="{60B221BB-C265-43A6-A7DD-676E6726CC2A}" type="datetimeFigureOut">
               <a:rPr kumimoji="1" lang="ja-JP" altLang="en-US" smtClean="0"/>
-              <a:t>2022/11/9</a:t>
+              <a:t>2022/11/10</a:t>
             </a:fld>
             <a:endParaRPr kumimoji="1" lang="ja-JP" altLang="en-US"/>
           </a:p>
@@ -2183,7 +2184,7 @@
           <a:p>
             <a:fld id="{60B221BB-C265-43A6-A7DD-676E6726CC2A}" type="datetimeFigureOut">
               <a:rPr kumimoji="1" lang="ja-JP" altLang="en-US" smtClean="0"/>
-              <a:t>2022/11/9</a:t>
+              <a:t>2022/11/10</a:t>
             </a:fld>
             <a:endParaRPr kumimoji="1" lang="ja-JP" altLang="en-US"/>
           </a:p>
@@ -2296,7 +2297,7 @@
           <a:p>
             <a:fld id="{60B221BB-C265-43A6-A7DD-676E6726CC2A}" type="datetimeFigureOut">
               <a:rPr kumimoji="1" lang="ja-JP" altLang="en-US" smtClean="0"/>
-              <a:t>2022/11/9</a:t>
+              <a:t>2022/11/10</a:t>
             </a:fld>
             <a:endParaRPr kumimoji="1" lang="ja-JP" altLang="en-US"/>
           </a:p>
@@ -2639,7 +2640,7 @@
           <a:p>
             <a:fld id="{60B221BB-C265-43A6-A7DD-676E6726CC2A}" type="datetimeFigureOut">
               <a:rPr kumimoji="1" lang="ja-JP" altLang="en-US" smtClean="0"/>
-              <a:t>2022/11/9</a:t>
+              <a:t>2022/11/10</a:t>
             </a:fld>
             <a:endParaRPr kumimoji="1" lang="ja-JP" altLang="en-US"/>
           </a:p>
@@ -2927,7 +2928,7 @@
           <a:p>
             <a:fld id="{60B221BB-C265-43A6-A7DD-676E6726CC2A}" type="datetimeFigureOut">
               <a:rPr kumimoji="1" lang="ja-JP" altLang="en-US" smtClean="0"/>
-              <a:t>2022/11/9</a:t>
+              <a:t>2022/11/10</a:t>
             </a:fld>
             <a:endParaRPr kumimoji="1" lang="ja-JP" altLang="en-US"/>
           </a:p>
@@ -3200,7 +3201,7 @@
           <a:p>
             <a:fld id="{60B221BB-C265-43A6-A7DD-676E6726CC2A}" type="datetimeFigureOut">
               <a:rPr kumimoji="1" lang="ja-JP" altLang="en-US" smtClean="0"/>
-              <a:t>2022/11/9</a:t>
+              <a:t>2022/11/10</a:t>
             </a:fld>
             <a:endParaRPr kumimoji="1" lang="ja-JP" altLang="en-US"/>
           </a:p>
@@ -4111,7 +4112,7 @@
             <a:avLst/>
           </a:prstGeom>
           <a:solidFill>
-            <a:srgbClr val="00A9E0"/>
+            <a:srgbClr val="EEDC00"/>
           </a:solidFill>
           <a:scene3d>
             <a:camera prst="orthographicFront"/>
@@ -4199,7 +4200,7 @@
             <a:avLst/>
           </a:prstGeom>
           <a:solidFill>
-            <a:srgbClr val="00A9E0"/>
+            <a:srgbClr val="EEDC00"/>
           </a:solidFill>
           <a:scene3d>
             <a:camera prst="orthographicFront"/>
@@ -4263,7 +4264,7 @@
         </p:nvSpPr>
         <p:spPr>
           <a:xfrm rot="2308253">
-            <a:off x="421420" y="1842644"/>
+            <a:off x="421421" y="1842645"/>
             <a:ext cx="5997155" cy="3154710"/>
           </a:xfrm>
           <a:prstGeom prst="rect">
@@ -4291,7 +4292,7 @@
               <a:rPr lang="en-US" altLang="ja-JP" sz="19900" b="1" cap="none" spc="0" dirty="0">
                 <a:ln/>
                 <a:solidFill>
-                  <a:srgbClr val="EEDC00"/>
+                  <a:srgbClr val="00B2A9"/>
                 </a:solidFill>
                 <a:effectLst>
                   <a:outerShdw blurRad="50800" dist="38100" dir="2700000" algn="tl" rotWithShape="0">
@@ -4307,7 +4308,7 @@
             <a:endParaRPr lang="ja-JP" altLang="en-US" sz="19900" b="1" cap="none" spc="0" dirty="0">
               <a:ln/>
               <a:solidFill>
-                <a:srgbClr val="EEDC00"/>
+                <a:srgbClr val="00B2A9"/>
               </a:solidFill>
               <a:effectLst>
                 <a:outerShdw blurRad="50800" dist="38100" dir="2700000" algn="tl" rotWithShape="0">
@@ -4351,10 +4352,134 @@
           <a:chExt cx="0" cy="0"/>
         </a:xfrm>
       </p:grpSpPr>
+      <p:sp>
+        <p:nvSpPr>
+          <p:cNvPr id="2" name="正方形/長方形 1">
+            <a:extLst>
+              <a:ext uri="{FF2B5EF4-FFF2-40B4-BE49-F238E27FC236}">
+                <a16:creationId xmlns:a16="http://schemas.microsoft.com/office/drawing/2014/main" id="{53E185DA-7898-4124-992D-FCDE8D870950}"/>
+              </a:ext>
+            </a:extLst>
+          </p:cNvPr>
+          <p:cNvSpPr>
+            <a:spLocks noChangeAspect="1"/>
+          </p:cNvSpPr>
+          <p:nvPr/>
+        </p:nvSpPr>
+        <p:spPr>
+          <a:xfrm>
+            <a:off x="-1" y="0"/>
+            <a:ext cx="6840000" cy="6840000"/>
+          </a:xfrm>
+          <a:prstGeom prst="rect">
+            <a:avLst/>
+          </a:prstGeom>
+          <a:solidFill>
+            <a:srgbClr val="EEDC00"/>
+          </a:solidFill>
+          <a:scene3d>
+            <a:camera prst="orthographicFront"/>
+            <a:lightRig rig="threePt" dir="t"/>
+          </a:scene3d>
+          <a:sp3d>
+            <a:bevelT w="127000" h="127000"/>
+          </a:sp3d>
+        </p:spPr>
+        <p:style>
+          <a:lnRef idx="2">
+            <a:schemeClr val="accent1">
+              <a:shade val="50000"/>
+            </a:schemeClr>
+          </a:lnRef>
+          <a:fillRef idx="1">
+            <a:schemeClr val="accent1"/>
+          </a:fillRef>
+          <a:effectRef idx="0">
+            <a:schemeClr val="accent1"/>
+          </a:effectRef>
+          <a:fontRef idx="minor">
+            <a:schemeClr val="lt1"/>
+          </a:fontRef>
+        </p:style>
+        <p:txBody>
+          <a:bodyPr rtlCol="0" anchor="ctr"/>
+          <a:lstStyle/>
+          <a:p>
+            <a:pPr algn="ctr"/>
+            <a:endParaRPr kumimoji="1" lang="ja-JP" altLang="en-US"/>
+          </a:p>
+        </p:txBody>
+      </p:sp>
+      <p:pic>
+        <p:nvPicPr>
+          <p:cNvPr id="3" name="図 2" descr="図形, 矢印&#10;&#10;自動的に生成された説明">
+            <a:extLst>
+              <a:ext uri="{FF2B5EF4-FFF2-40B4-BE49-F238E27FC236}">
+                <a16:creationId xmlns:a16="http://schemas.microsoft.com/office/drawing/2014/main" id="{31A521CE-20A2-4D15-9AC9-FBFD0A92F331}"/>
+              </a:ext>
+            </a:extLst>
+          </p:cNvPr>
+          <p:cNvPicPr>
+            <a:picLocks noChangeAspect="1"/>
+          </p:cNvPicPr>
+          <p:nvPr/>
+        </p:nvPicPr>
+        <p:blipFill>
+          <a:blip r:embed="rId2">
+            <a:extLst>
+              <a:ext uri="{28A0092B-C50C-407E-A947-70E740481C1C}">
+                <a14:useLocalDpi xmlns:a14="http://schemas.microsoft.com/office/drawing/2010/main" val="0"/>
+              </a:ext>
+            </a:extLst>
+          </a:blip>
+          <a:stretch>
+            <a:fillRect/>
+          </a:stretch>
+        </p:blipFill>
+        <p:spPr>
+          <a:xfrm>
+            <a:off x="719999" y="729000"/>
+            <a:ext cx="5400000" cy="5400000"/>
+          </a:xfrm>
+          <a:prstGeom prst="rect">
+            <a:avLst/>
+          </a:prstGeom>
+        </p:spPr>
+      </p:pic>
     </p:spTree>
     <p:extLst>
       <p:ext uri="{BB962C8B-B14F-4D97-AF65-F5344CB8AC3E}">
         <p14:creationId xmlns:p14="http://schemas.microsoft.com/office/powerpoint/2010/main" val="1753289373"/>
+      </p:ext>
+    </p:extLst>
+  </p:cSld>
+  <p:clrMapOvr>
+    <a:masterClrMapping/>
+  </p:clrMapOvr>
+</p:sld>
+</file>
+
+<file path=ppt/slides/slide5.xml><?xml version="1.0" encoding="utf-8"?>
+<p:sld xmlns:a="http://schemas.openxmlformats.org/drawingml/2006/main" xmlns:r="http://schemas.openxmlformats.org/officeDocument/2006/relationships" xmlns:p="http://schemas.openxmlformats.org/presentationml/2006/main">
+  <p:cSld>
+    <p:spTree>
+      <p:nvGrpSpPr>
+        <p:cNvPr id="1" name=""/>
+        <p:cNvGrpSpPr/>
+        <p:nvPr/>
+      </p:nvGrpSpPr>
+      <p:grpSpPr>
+        <a:xfrm>
+          <a:off x="0" y="0"/>
+          <a:ext cx="0" cy="0"/>
+          <a:chOff x="0" y="0"/>
+          <a:chExt cx="0" cy="0"/>
+        </a:xfrm>
+      </p:grpSpPr>
+    </p:spTree>
+    <p:extLst>
+      <p:ext uri="{BB962C8B-B14F-4D97-AF65-F5344CB8AC3E}">
+        <p14:creationId xmlns:p14="http://schemas.microsoft.com/office/powerpoint/2010/main" val="1437014663"/>
       </p:ext>
     </p:extLst>
   </p:cSld>
